--- a/MoGL-가계도-0.3.0.pptx
+++ b/MoGL-가계도-0.3.0.pptx
@@ -104,6 +104,22 @@
       </a:defRPr>
     </a:lvl9pPr>
   </p:defaultTextStyle>
+  <p:extLst>
+    <p:ext uri="{EFAFB233-063F-42B5-8137-9DF3F51BA10A}">
+      <p15:sldGuideLst xmlns:p15="http://schemas.microsoft.com/office/powerpoint/2012/main">
+        <p15:guide id="1" orient="horz" pos="2160">
+          <p15:clr>
+            <a:srgbClr val="A4A3A4"/>
+          </p15:clr>
+        </p15:guide>
+        <p15:guide id="2" pos="2880">
+          <p15:clr>
+            <a:srgbClr val="A4A3A4"/>
+          </p15:clr>
+        </p15:guide>
+      </p15:sldGuideLst>
+    </p:ext>
+  </p:extLst>
 </p:presentation>
 </file>
 
@@ -3043,12 +3059,21 @@
         </p:nvSpPr>
         <p:spPr>
           <a:xfrm>
-            <a:off x="323528" y="3356992"/>
-            <a:ext cx="1296144" cy="288032"/>
+            <a:off x="179512" y="332656"/>
+            <a:ext cx="792088" cy="184641"/>
           </a:xfrm>
           <a:prstGeom prst="rect">
             <a:avLst/>
           </a:prstGeom>
+          <a:solidFill>
+            <a:schemeClr val="tx1">
+              <a:lumMod val="65000"/>
+              <a:lumOff val="35000"/>
+            </a:schemeClr>
+          </a:solidFill>
+          <a:ln>
+            <a:noFill/>
+          </a:ln>
         </p:spPr>
         <p:style>
           <a:lnRef idx="2">
@@ -3067,15 +3092,15 @@
           </a:fontRef>
         </p:style>
         <p:txBody>
-          <a:bodyPr rtlCol="0" anchor="ctr"/>
+          <a:bodyPr wrap="none" rtlCol="0" anchor="ctr"/>
           <a:lstStyle/>
           <a:p>
             <a:pPr algn="ctr"/>
             <a:r>
-              <a:rPr lang="en-US" altLang="ko-KR" sz="1400" smtClean="0"/>
+              <a:rPr lang="en-US" altLang="ko-KR" sz="1100" smtClean="0"/>
               <a:t>MoGL</a:t>
             </a:r>
-            <a:endParaRPr lang="ko-KR" altLang="en-US" sz="1400"/>
+            <a:endParaRPr lang="ko-KR" altLang="en-US" sz="1100"/>
           </a:p>
         </p:txBody>
       </p:sp>
@@ -3087,12 +3112,21 @@
         </p:nvSpPr>
         <p:spPr>
           <a:xfrm>
-            <a:off x="2123728" y="260648"/>
-            <a:ext cx="864096" cy="288032"/>
+            <a:off x="1401538" y="332656"/>
+            <a:ext cx="864096" cy="184641"/>
           </a:xfrm>
           <a:prstGeom prst="rect">
             <a:avLst/>
           </a:prstGeom>
+          <a:solidFill>
+            <a:schemeClr val="tx1">
+              <a:lumMod val="65000"/>
+              <a:lumOff val="35000"/>
+            </a:schemeClr>
+          </a:solidFill>
+          <a:ln>
+            <a:noFill/>
+          </a:ln>
         </p:spPr>
         <p:style>
           <a:lnRef idx="2">
@@ -3111,15 +3145,15 @@
           </a:fontRef>
         </p:style>
         <p:txBody>
-          <a:bodyPr rtlCol="0" anchor="ctr"/>
+          <a:bodyPr wrap="none" rtlCol="0" anchor="ctr"/>
           <a:lstStyle/>
           <a:p>
             <a:pPr algn="ctr"/>
             <a:r>
-              <a:rPr lang="en-US" altLang="ko-KR" sz="1400" smtClean="0"/>
+              <a:rPr lang="en-US" altLang="ko-KR" sz="1100" smtClean="0"/>
               <a:t>Matrix</a:t>
             </a:r>
-            <a:endParaRPr lang="ko-KR" altLang="en-US" sz="1400"/>
+            <a:endParaRPr lang="ko-KR" altLang="en-US" sz="1100"/>
           </a:p>
         </p:txBody>
       </p:sp>
@@ -3131,12 +3165,21 @@
         </p:nvSpPr>
         <p:spPr>
           <a:xfrm>
-            <a:off x="3779912" y="332656"/>
-            <a:ext cx="864096" cy="288032"/>
+            <a:off x="2638906" y="332656"/>
+            <a:ext cx="697836" cy="184641"/>
           </a:xfrm>
           <a:prstGeom prst="rect">
             <a:avLst/>
           </a:prstGeom>
+          <a:solidFill>
+            <a:schemeClr val="tx1">
+              <a:lumMod val="65000"/>
+              <a:lumOff val="35000"/>
+            </a:schemeClr>
+          </a:solidFill>
+          <a:ln>
+            <a:noFill/>
+          </a:ln>
         </p:spPr>
         <p:style>
           <a:lnRef idx="2">
@@ -3155,15 +3198,27 @@
           </a:fontRef>
         </p:style>
         <p:txBody>
-          <a:bodyPr rtlCol="0" anchor="ctr"/>
+          <a:bodyPr wrap="none" rtlCol="0" anchor="ctr"/>
           <a:lstStyle/>
           <a:p>
             <a:pPr algn="ctr"/>
             <a:r>
-              <a:rPr lang="en-US" altLang="ko-KR" sz="1400" smtClean="0"/>
-              <a:t>Camera</a:t>
-            </a:r>
-            <a:endParaRPr lang="ko-KR" altLang="en-US" sz="1400"/>
+              <a:rPr lang="en-US" altLang="ko-KR" sz="1100" smtClean="0"/>
+              <a:t>Came</a:t>
+            </a:r>
+            <a:r>
+              <a:rPr lang="en-US" altLang="ko-KR" sz="1100" smtClean="0">
+                <a:solidFill>
+                  <a:schemeClr val="bg1"/>
+                </a:solidFill>
+              </a:rPr>
+              <a:t>r</a:t>
+            </a:r>
+            <a:r>
+              <a:rPr lang="en-US" altLang="ko-KR" sz="1100" smtClean="0"/>
+              <a:t>a</a:t>
+            </a:r>
+            <a:endParaRPr lang="ko-KR" altLang="en-US" sz="1100"/>
           </a:p>
         </p:txBody>
       </p:sp>
@@ -3175,12 +3230,20 @@
         </p:nvSpPr>
         <p:spPr>
           <a:xfrm>
-            <a:off x="7524328" y="6381328"/>
-            <a:ext cx="1368152" cy="288032"/>
+            <a:off x="5652120" y="2439662"/>
+            <a:ext cx="1138223" cy="184641"/>
           </a:xfrm>
           <a:prstGeom prst="rect">
             <a:avLst/>
           </a:prstGeom>
+          <a:solidFill>
+            <a:schemeClr val="accent6">
+              <a:lumMod val="50000"/>
+            </a:schemeClr>
+          </a:solidFill>
+          <a:ln>
+            <a:noFill/>
+          </a:ln>
         </p:spPr>
         <p:style>
           <a:lnRef idx="2">
@@ -3199,15 +3262,15 @@
           </a:fontRef>
         </p:style>
         <p:txBody>
-          <a:bodyPr rtlCol="0" anchor="ctr"/>
+          <a:bodyPr wrap="none" rtlCol="0" anchor="ctr"/>
           <a:lstStyle/>
           <a:p>
             <a:pPr algn="ctr"/>
             <a:r>
-              <a:rPr lang="en-US" altLang="ko-KR" sz="1400" smtClean="0"/>
+              <a:rPr lang="en-US" altLang="ko-KR" sz="1100" smtClean="0"/>
               <a:t>BlendMode</a:t>
             </a:r>
-            <a:endParaRPr lang="ko-KR" altLang="en-US" sz="1400"/>
+            <a:endParaRPr lang="ko-KR" altLang="en-US" sz="1100"/>
           </a:p>
         </p:txBody>
       </p:sp>
@@ -3219,12 +3282,20 @@
         </p:nvSpPr>
         <p:spPr>
           <a:xfrm>
-            <a:off x="7524328" y="5949280"/>
-            <a:ext cx="1368152" cy="288032"/>
+            <a:off x="5652120" y="2227953"/>
+            <a:ext cx="1138223" cy="184641"/>
           </a:xfrm>
           <a:prstGeom prst="rect">
             <a:avLst/>
           </a:prstGeom>
+          <a:solidFill>
+            <a:schemeClr val="accent6">
+              <a:lumMod val="50000"/>
+            </a:schemeClr>
+          </a:solidFill>
+          <a:ln>
+            <a:noFill/>
+          </a:ln>
         </p:spPr>
         <p:style>
           <a:lnRef idx="2">
@@ -3243,15 +3314,15 @@
           </a:fontRef>
         </p:style>
         <p:txBody>
-          <a:bodyPr rtlCol="0" anchor="ctr"/>
+          <a:bodyPr wrap="none" rtlCol="0" anchor="ctr"/>
           <a:lstStyle/>
           <a:p>
             <a:pPr algn="ctr"/>
             <a:r>
-              <a:rPr lang="en-US" altLang="ko-KR" sz="1400" smtClean="0"/>
+              <a:rPr lang="en-US" altLang="ko-KR" sz="1100" smtClean="0"/>
               <a:t>Filter</a:t>
             </a:r>
-            <a:endParaRPr lang="ko-KR" altLang="en-US" sz="1400"/>
+            <a:endParaRPr lang="ko-KR" altLang="en-US" sz="1100"/>
           </a:p>
         </p:txBody>
       </p:sp>
@@ -3263,12 +3334,20 @@
         </p:nvSpPr>
         <p:spPr>
           <a:xfrm>
-            <a:off x="2123728" y="6381328"/>
-            <a:ext cx="1472891" cy="288032"/>
+            <a:off x="5652120" y="745976"/>
+            <a:ext cx="1138223" cy="184641"/>
           </a:xfrm>
           <a:prstGeom prst="rect">
             <a:avLst/>
           </a:prstGeom>
+          <a:solidFill>
+            <a:schemeClr val="accent6">
+              <a:lumMod val="50000"/>
+            </a:schemeClr>
+          </a:solidFill>
+          <a:ln>
+            <a:noFill/>
+          </a:ln>
         </p:spPr>
         <p:style>
           <a:lnRef idx="2">
@@ -3287,15 +3366,15 @@
           </a:fontRef>
         </p:style>
         <p:txBody>
-          <a:bodyPr rtlCol="0" anchor="ctr"/>
+          <a:bodyPr wrap="none" rtlCol="0" anchor="ctr"/>
           <a:lstStyle/>
           <a:p>
             <a:pPr algn="ctr"/>
             <a:r>
-              <a:rPr lang="en-US" altLang="ko-KR" sz="1400" smtClean="0"/>
+              <a:rPr lang="en-US" altLang="ko-KR" sz="1100" smtClean="0"/>
               <a:t>FreeController</a:t>
             </a:r>
-            <a:endParaRPr lang="ko-KR" altLang="en-US" sz="1400"/>
+            <a:endParaRPr lang="ko-KR" altLang="en-US" sz="1100"/>
           </a:p>
         </p:txBody>
       </p:sp>
@@ -3307,12 +3386,21 @@
         </p:nvSpPr>
         <p:spPr>
           <a:xfrm>
-            <a:off x="2123728" y="872716"/>
-            <a:ext cx="1008112" cy="288032"/>
+            <a:off x="1401539" y="589938"/>
+            <a:ext cx="864094" cy="184641"/>
           </a:xfrm>
           <a:prstGeom prst="rect">
             <a:avLst/>
           </a:prstGeom>
+          <a:solidFill>
+            <a:schemeClr val="tx1">
+              <a:lumMod val="65000"/>
+              <a:lumOff val="35000"/>
+            </a:schemeClr>
+          </a:solidFill>
+          <a:ln>
+            <a:noFill/>
+          </a:ln>
         </p:spPr>
         <p:style>
           <a:lnRef idx="2">
@@ -3331,15 +3419,15 @@
           </a:fontRef>
         </p:style>
         <p:txBody>
-          <a:bodyPr rtlCol="0" anchor="ctr"/>
+          <a:bodyPr wrap="none" rtlCol="0" anchor="ctr"/>
           <a:lstStyle/>
           <a:p>
             <a:pPr algn="ctr"/>
             <a:r>
-              <a:rPr lang="en-US" altLang="ko-KR" sz="1400" smtClean="0"/>
+              <a:rPr lang="en-US" altLang="ko-KR" sz="1100" smtClean="0"/>
               <a:t>Geometry</a:t>
             </a:r>
-            <a:endParaRPr lang="ko-KR" altLang="en-US" sz="1400"/>
+            <a:endParaRPr lang="ko-KR" altLang="en-US" sz="1100"/>
           </a:p>
         </p:txBody>
       </p:sp>
@@ -3351,12 +3439,21 @@
         </p:nvSpPr>
         <p:spPr>
           <a:xfrm>
-            <a:off x="2123728" y="1484784"/>
-            <a:ext cx="864096" cy="288032"/>
+            <a:off x="2638906" y="561335"/>
+            <a:ext cx="697836" cy="184641"/>
           </a:xfrm>
           <a:prstGeom prst="rect">
             <a:avLst/>
           </a:prstGeom>
+          <a:solidFill>
+            <a:schemeClr val="tx1">
+              <a:lumMod val="65000"/>
+              <a:lumOff val="35000"/>
+            </a:schemeClr>
+          </a:solidFill>
+          <a:ln>
+            <a:noFill/>
+          </a:ln>
         </p:spPr>
         <p:style>
           <a:lnRef idx="2">
@@ -3375,15 +3472,15 @@
           </a:fontRef>
         </p:style>
         <p:txBody>
-          <a:bodyPr rtlCol="0" anchor="ctr"/>
+          <a:bodyPr wrap="none" rtlCol="0" anchor="ctr"/>
           <a:lstStyle/>
           <a:p>
             <a:pPr algn="ctr"/>
             <a:r>
-              <a:rPr lang="en-US" altLang="ko-KR" sz="1400" smtClean="0"/>
+              <a:rPr lang="en-US" altLang="ko-KR" sz="1100" smtClean="0"/>
               <a:t>Mesh</a:t>
             </a:r>
-            <a:endParaRPr lang="ko-KR" altLang="en-US" sz="1400"/>
+            <a:endParaRPr lang="ko-KR" altLang="en-US" sz="1100"/>
           </a:p>
         </p:txBody>
       </p:sp>
@@ -3395,12 +3492,21 @@
         </p:nvSpPr>
         <p:spPr>
           <a:xfrm>
-            <a:off x="3779912" y="1484784"/>
-            <a:ext cx="864096" cy="288032"/>
+            <a:off x="2638906" y="790014"/>
+            <a:ext cx="697836" cy="184641"/>
           </a:xfrm>
           <a:prstGeom prst="rect">
             <a:avLst/>
           </a:prstGeom>
+          <a:solidFill>
+            <a:schemeClr val="tx1">
+              <a:lumMod val="65000"/>
+              <a:lumOff val="35000"/>
+            </a:schemeClr>
+          </a:solidFill>
+          <a:ln>
+            <a:noFill/>
+          </a:ln>
         </p:spPr>
         <p:style>
           <a:lnRef idx="2">
@@ -3419,15 +3525,15 @@
           </a:fontRef>
         </p:style>
         <p:txBody>
-          <a:bodyPr rtlCol="0" anchor="ctr"/>
+          <a:bodyPr wrap="none" rtlCol="0" anchor="ctr"/>
           <a:lstStyle/>
           <a:p>
             <a:pPr algn="ctr"/>
             <a:r>
-              <a:rPr lang="en-US" altLang="ko-KR" sz="1400" smtClean="0"/>
+              <a:rPr lang="en-US" altLang="ko-KR" sz="1100" smtClean="0"/>
               <a:t>Group</a:t>
             </a:r>
-            <a:endParaRPr lang="ko-KR" altLang="en-US" sz="1400"/>
+            <a:endParaRPr lang="ko-KR" altLang="en-US" sz="1100"/>
           </a:p>
         </p:txBody>
       </p:sp>
@@ -3439,12 +3545,20 @@
         </p:nvSpPr>
         <p:spPr>
           <a:xfrm>
-            <a:off x="7524328" y="5517232"/>
-            <a:ext cx="1368152" cy="288032"/>
+            <a:off x="5652120" y="2016242"/>
+            <a:ext cx="1138223" cy="184641"/>
           </a:xfrm>
           <a:prstGeom prst="rect">
             <a:avLst/>
           </a:prstGeom>
+          <a:solidFill>
+            <a:schemeClr val="accent6">
+              <a:lumMod val="50000"/>
+            </a:schemeClr>
+          </a:solidFill>
+          <a:ln>
+            <a:noFill/>
+          </a:ln>
         </p:spPr>
         <p:style>
           <a:lnRef idx="2">
@@ -3463,15 +3577,15 @@
           </a:fontRef>
         </p:style>
         <p:txBody>
-          <a:bodyPr rtlCol="0" anchor="ctr"/>
+          <a:bodyPr wrap="none" rtlCol="0" anchor="ctr"/>
           <a:lstStyle/>
           <a:p>
             <a:pPr algn="ctr"/>
             <a:r>
-              <a:rPr lang="en-US" altLang="ko-KR" sz="1400" smtClean="0"/>
+              <a:rPr lang="en-US" altLang="ko-KR" sz="1100" smtClean="0"/>
               <a:t>Keyboard</a:t>
             </a:r>
-            <a:endParaRPr lang="ko-KR" altLang="en-US" sz="1400"/>
+            <a:endParaRPr lang="ko-KR" altLang="en-US" sz="1100"/>
           </a:p>
         </p:txBody>
       </p:sp>
@@ -3483,12 +3597,21 @@
         </p:nvSpPr>
         <p:spPr>
           <a:xfrm>
-            <a:off x="3779912" y="2060848"/>
-            <a:ext cx="864096" cy="288032"/>
+            <a:off x="2638906" y="1018693"/>
+            <a:ext cx="697836" cy="184641"/>
           </a:xfrm>
           <a:prstGeom prst="rect">
             <a:avLst/>
           </a:prstGeom>
+          <a:solidFill>
+            <a:schemeClr val="tx1">
+              <a:lumMod val="65000"/>
+              <a:lumOff val="35000"/>
+            </a:schemeClr>
+          </a:solidFill>
+          <a:ln>
+            <a:noFill/>
+          </a:ln>
         </p:spPr>
         <p:style>
           <a:lnRef idx="2">
@@ -3507,15 +3630,15 @@
           </a:fontRef>
         </p:style>
         <p:txBody>
-          <a:bodyPr rtlCol="0" anchor="ctr"/>
+          <a:bodyPr wrap="none" rtlCol="0" anchor="ctr"/>
           <a:lstStyle/>
           <a:p>
             <a:pPr algn="ctr"/>
             <a:r>
-              <a:rPr lang="en-US" altLang="ko-KR" sz="1400" smtClean="0"/>
+              <a:rPr lang="en-US" altLang="ko-KR" sz="1100" smtClean="0"/>
               <a:t>Light</a:t>
             </a:r>
-            <a:endParaRPr lang="ko-KR" altLang="en-US" sz="1400"/>
+            <a:endParaRPr lang="ko-KR" altLang="en-US" sz="1100"/>
           </a:p>
         </p:txBody>
       </p:sp>
@@ -3527,12 +3650,21 @@
         </p:nvSpPr>
         <p:spPr>
           <a:xfrm>
-            <a:off x="2123728" y="2096852"/>
-            <a:ext cx="864096" cy="288032"/>
+            <a:off x="1401538" y="847220"/>
+            <a:ext cx="864096" cy="184641"/>
           </a:xfrm>
           <a:prstGeom prst="rect">
             <a:avLst/>
           </a:prstGeom>
+          <a:solidFill>
+            <a:schemeClr val="tx1">
+              <a:lumMod val="65000"/>
+              <a:lumOff val="35000"/>
+            </a:schemeClr>
+          </a:solidFill>
+          <a:ln>
+            <a:noFill/>
+          </a:ln>
         </p:spPr>
         <p:style>
           <a:lnRef idx="2">
@@ -3551,15 +3683,15 @@
           </a:fontRef>
         </p:style>
         <p:txBody>
-          <a:bodyPr rtlCol="0" anchor="ctr"/>
+          <a:bodyPr wrap="none" rtlCol="0" anchor="ctr"/>
           <a:lstStyle/>
           <a:p>
             <a:pPr algn="ctr"/>
             <a:r>
-              <a:rPr lang="en-US" altLang="ko-KR" sz="1400" smtClean="0"/>
+              <a:rPr lang="en-US" altLang="ko-KR" sz="1100" smtClean="0"/>
               <a:t>Material</a:t>
             </a:r>
-            <a:endParaRPr lang="ko-KR" altLang="en-US" sz="1400"/>
+            <a:endParaRPr lang="ko-KR" altLang="en-US" sz="1100"/>
           </a:p>
         </p:txBody>
       </p:sp>
@@ -3571,12 +3703,20 @@
         </p:nvSpPr>
         <p:spPr>
           <a:xfrm>
-            <a:off x="2123728" y="5769260"/>
-            <a:ext cx="1472891" cy="288032"/>
+            <a:off x="5652120" y="957687"/>
+            <a:ext cx="1138223" cy="184641"/>
           </a:xfrm>
           <a:prstGeom prst="rect">
             <a:avLst/>
           </a:prstGeom>
+          <a:solidFill>
+            <a:schemeClr val="accent6">
+              <a:lumMod val="50000"/>
+            </a:schemeClr>
+          </a:solidFill>
+          <a:ln>
+            <a:noFill/>
+          </a:ln>
         </p:spPr>
         <p:style>
           <a:lnRef idx="2">
@@ -3595,15 +3735,15 @@
           </a:fontRef>
         </p:style>
         <p:txBody>
-          <a:bodyPr rtlCol="0" anchor="ctr"/>
+          <a:bodyPr wrap="none" rtlCol="0" anchor="ctr"/>
           <a:lstStyle/>
           <a:p>
             <a:pPr algn="ctr"/>
             <a:r>
-              <a:rPr lang="en-US" altLang="ko-KR" sz="1400" smtClean="0"/>
+              <a:rPr lang="en-US" altLang="ko-KR" sz="1100" smtClean="0"/>
               <a:t>OrbitController</a:t>
             </a:r>
-            <a:endParaRPr lang="ko-KR" altLang="en-US" sz="1400"/>
+            <a:endParaRPr lang="ko-KR" altLang="en-US" sz="1100"/>
           </a:p>
         </p:txBody>
       </p:sp>
@@ -3615,12 +3755,20 @@
         </p:nvSpPr>
         <p:spPr>
           <a:xfrm>
-            <a:off x="7524328" y="5085184"/>
-            <a:ext cx="1368152" cy="288032"/>
+            <a:off x="5652120" y="1804531"/>
+            <a:ext cx="1138223" cy="184641"/>
           </a:xfrm>
           <a:prstGeom prst="rect">
             <a:avLst/>
           </a:prstGeom>
+          <a:solidFill>
+            <a:schemeClr val="accent6">
+              <a:lumMod val="50000"/>
+            </a:schemeClr>
+          </a:solidFill>
+          <a:ln>
+            <a:noFill/>
+          </a:ln>
         </p:spPr>
         <p:style>
           <a:lnRef idx="2">
@@ -3639,15 +3787,15 @@
           </a:fontRef>
         </p:style>
         <p:txBody>
-          <a:bodyPr rtlCol="0" anchor="ctr"/>
+          <a:bodyPr wrap="none" rtlCol="0" anchor="ctr"/>
           <a:lstStyle/>
           <a:p>
             <a:pPr algn="ctr"/>
             <a:r>
-              <a:rPr lang="en-US" altLang="ko-KR" sz="1400" smtClean="0"/>
+              <a:rPr lang="en-US" altLang="ko-KR" sz="1100" smtClean="0"/>
               <a:t>Primitive</a:t>
             </a:r>
-            <a:endParaRPr lang="ko-KR" altLang="en-US" sz="1400"/>
+            <a:endParaRPr lang="ko-KR" altLang="en-US" sz="1100"/>
           </a:p>
         </p:txBody>
       </p:sp>
@@ -3659,12 +3807,21 @@
         </p:nvSpPr>
         <p:spPr>
           <a:xfrm>
-            <a:off x="2123728" y="2708920"/>
-            <a:ext cx="864096" cy="288032"/>
+            <a:off x="1401538" y="1104502"/>
+            <a:ext cx="864096" cy="184641"/>
           </a:xfrm>
           <a:prstGeom prst="rect">
             <a:avLst/>
           </a:prstGeom>
+          <a:solidFill>
+            <a:schemeClr val="tx1">
+              <a:lumMod val="65000"/>
+              <a:lumOff val="35000"/>
+            </a:schemeClr>
+          </a:solidFill>
+          <a:ln>
+            <a:noFill/>
+          </a:ln>
         </p:spPr>
         <p:style>
           <a:lnRef idx="2">
@@ -3683,15 +3840,15 @@
           </a:fontRef>
         </p:style>
         <p:txBody>
-          <a:bodyPr rtlCol="0" anchor="ctr"/>
+          <a:bodyPr wrap="none" rtlCol="0" anchor="ctr"/>
           <a:lstStyle/>
           <a:p>
             <a:pPr algn="ctr"/>
             <a:r>
-              <a:rPr lang="en-US" altLang="ko-KR" sz="1400" smtClean="0"/>
+              <a:rPr lang="en-US" altLang="ko-KR" sz="1100" smtClean="0"/>
               <a:t>Scene</a:t>
             </a:r>
-            <a:endParaRPr lang="ko-KR" altLang="en-US" sz="1400"/>
+            <a:endParaRPr lang="ko-KR" altLang="en-US" sz="1100"/>
           </a:p>
         </p:txBody>
       </p:sp>
@@ -3703,12 +3860,21 @@
         </p:nvSpPr>
         <p:spPr>
           <a:xfrm>
-            <a:off x="2123728" y="3320988"/>
-            <a:ext cx="864096" cy="288032"/>
+            <a:off x="1401538" y="1361784"/>
+            <a:ext cx="864096" cy="184641"/>
           </a:xfrm>
           <a:prstGeom prst="rect">
             <a:avLst/>
           </a:prstGeom>
+          <a:solidFill>
+            <a:schemeClr val="tx1">
+              <a:lumMod val="65000"/>
+              <a:lumOff val="35000"/>
+            </a:schemeClr>
+          </a:solidFill>
+          <a:ln>
+            <a:noFill/>
+          </a:ln>
         </p:spPr>
         <p:style>
           <a:lnRef idx="2">
@@ -3727,15 +3893,15 @@
           </a:fontRef>
         </p:style>
         <p:txBody>
-          <a:bodyPr rtlCol="0" anchor="ctr"/>
+          <a:bodyPr wrap="none" rtlCol="0" anchor="ctr"/>
           <a:lstStyle/>
           <a:p>
             <a:pPr algn="ctr"/>
             <a:r>
-              <a:rPr lang="en-US" altLang="ko-KR" sz="1400" smtClean="0"/>
+              <a:rPr lang="en-US" altLang="ko-KR" sz="1100" smtClean="0"/>
               <a:t>Shader</a:t>
             </a:r>
-            <a:endParaRPr lang="ko-KR" altLang="en-US" sz="1400"/>
+            <a:endParaRPr lang="ko-KR" altLang="en-US" sz="1100"/>
           </a:p>
         </p:txBody>
       </p:sp>
@@ -3747,12 +3913,20 @@
         </p:nvSpPr>
         <p:spPr>
           <a:xfrm>
-            <a:off x="7524328" y="4653136"/>
-            <a:ext cx="1368152" cy="288032"/>
+            <a:off x="5652120" y="1592820"/>
+            <a:ext cx="1138223" cy="184641"/>
           </a:xfrm>
           <a:prstGeom prst="rect">
             <a:avLst/>
           </a:prstGeom>
+          <a:solidFill>
+            <a:schemeClr val="accent6">
+              <a:lumMod val="50000"/>
+            </a:schemeClr>
+          </a:solidFill>
+          <a:ln>
+            <a:noFill/>
+          </a:ln>
         </p:spPr>
         <p:style>
           <a:lnRef idx="2">
@@ -3771,15 +3945,15 @@
           </a:fontRef>
         </p:style>
         <p:txBody>
-          <a:bodyPr rtlCol="0" anchor="ctr"/>
+          <a:bodyPr wrap="none" rtlCol="0" anchor="ctr"/>
           <a:lstStyle/>
           <a:p>
             <a:pPr algn="ctr"/>
             <a:r>
-              <a:rPr lang="en-US" altLang="ko-KR" sz="1400" smtClean="0"/>
+              <a:rPr lang="en-US" altLang="ko-KR" sz="1100" smtClean="0"/>
               <a:t>Shading</a:t>
             </a:r>
-            <a:endParaRPr lang="ko-KR" altLang="en-US" sz="1400"/>
+            <a:endParaRPr lang="ko-KR" altLang="en-US" sz="1100"/>
           </a:p>
         </p:txBody>
       </p:sp>
@@ -3788,21 +3962,26 @@
           <p:cNvPr id="24" name="꺾인 연결선 23"/>
           <p:cNvCxnSpPr>
             <a:stCxn id="12" idx="1"/>
-            <a:endCxn id="11" idx="3"/>
+            <a:endCxn id="5" idx="3"/>
           </p:cNvCxnSpPr>
           <p:nvPr/>
         </p:nvCxnSpPr>
         <p:spPr>
           <a:xfrm rot="10800000">
-            <a:off x="2987824" y="1628800"/>
-            <a:ext cx="792088" cy="12700"/>
+            <a:off x="2265634" y="424977"/>
+            <a:ext cx="373272" cy="457358"/>
           </a:xfrm>
           <a:prstGeom prst="bentConnector3">
             <a:avLst>
               <a:gd name="adj1" fmla="val 50000"/>
             </a:avLst>
           </a:prstGeom>
-          <a:ln>
+          <a:ln w="3175">
+            <a:solidFill>
+              <a:schemeClr val="tx2">
+                <a:lumMod val="75000"/>
+              </a:schemeClr>
+            </a:solidFill>
             <a:tailEnd type="arrow"/>
           </a:ln>
         </p:spPr>
@@ -3826,21 +4005,26 @@
           <p:cNvPr id="26" name="꺾인 연결선 25"/>
           <p:cNvCxnSpPr>
             <a:stCxn id="14" idx="1"/>
-            <a:endCxn id="11" idx="3"/>
+            <a:endCxn id="5" idx="3"/>
           </p:cNvCxnSpPr>
           <p:nvPr/>
         </p:nvCxnSpPr>
         <p:spPr>
           <a:xfrm rot="10800000">
-            <a:off x="2987824" y="1628800"/>
-            <a:ext cx="792088" cy="576064"/>
+            <a:off x="2265634" y="424978"/>
+            <a:ext cx="373272" cy="686037"/>
           </a:xfrm>
           <a:prstGeom prst="bentConnector3">
             <a:avLst>
               <a:gd name="adj1" fmla="val 50000"/>
             </a:avLst>
           </a:prstGeom>
-          <a:ln>
+          <a:ln w="3175">
+            <a:solidFill>
+              <a:schemeClr val="tx2">
+                <a:lumMod val="75000"/>
+              </a:schemeClr>
+            </a:solidFill>
             <a:tailEnd type="arrow"/>
           </a:ln>
         </p:spPr>
@@ -3869,16 +4053,21 @@
           <p:nvPr/>
         </p:nvCxnSpPr>
         <p:spPr>
-          <a:xfrm rot="10800000" flipV="1">
-            <a:off x="1619672" y="404664"/>
-            <a:ext cx="504056" cy="3096344"/>
+          <a:xfrm rot="10800000">
+            <a:off x="971600" y="424977"/>
+            <a:ext cx="429938" cy="12700"/>
           </a:xfrm>
           <a:prstGeom prst="bentConnector3">
             <a:avLst>
               <a:gd name="adj1" fmla="val 50000"/>
             </a:avLst>
           </a:prstGeom>
-          <a:ln>
+          <a:ln w="3175">
+            <a:solidFill>
+              <a:schemeClr val="tx2">
+                <a:lumMod val="75000"/>
+              </a:schemeClr>
+            </a:solidFill>
             <a:tailEnd type="arrow"/>
           </a:ln>
         </p:spPr>
@@ -3907,16 +4096,21 @@
           <p:nvPr/>
         </p:nvCxnSpPr>
         <p:spPr>
-          <a:xfrm rot="10800000" flipV="1">
-            <a:off x="1619672" y="1016732"/>
-            <a:ext cx="504056" cy="2484276"/>
+          <a:xfrm rot="10800000">
+            <a:off x="971601" y="424977"/>
+            <a:ext cx="429939" cy="257282"/>
           </a:xfrm>
           <a:prstGeom prst="bentConnector3">
             <a:avLst>
               <a:gd name="adj1" fmla="val 50000"/>
             </a:avLst>
           </a:prstGeom>
-          <a:ln>
+          <a:ln w="3175">
+            <a:solidFill>
+              <a:schemeClr val="tx2">
+                <a:lumMod val="75000"/>
+              </a:schemeClr>
+            </a:solidFill>
             <a:tailEnd type="arrow"/>
           </a:ln>
         </p:spPr>
@@ -3940,21 +4134,26 @@
           <p:cNvPr id="45" name="꺾인 연결선 44"/>
           <p:cNvCxnSpPr>
             <a:stCxn id="11" idx="1"/>
-            <a:endCxn id="4" idx="3"/>
+            <a:endCxn id="5" idx="3"/>
           </p:cNvCxnSpPr>
           <p:nvPr/>
         </p:nvCxnSpPr>
         <p:spPr>
-          <a:xfrm rot="10800000" flipV="1">
-            <a:off x="1619672" y="1628800"/>
-            <a:ext cx="504056" cy="1872208"/>
+          <a:xfrm rot="10800000">
+            <a:off x="2265634" y="424978"/>
+            <a:ext cx="373272" cy="228679"/>
           </a:xfrm>
           <a:prstGeom prst="bentConnector3">
             <a:avLst>
               <a:gd name="adj1" fmla="val 50000"/>
             </a:avLst>
           </a:prstGeom>
-          <a:ln>
+          <a:ln w="3175">
+            <a:solidFill>
+              <a:schemeClr val="tx2">
+                <a:lumMod val="75000"/>
+              </a:schemeClr>
+            </a:solidFill>
             <a:tailEnd type="arrow"/>
           </a:ln>
         </p:spPr>
@@ -3983,16 +4182,21 @@
           <p:nvPr/>
         </p:nvCxnSpPr>
         <p:spPr>
-          <a:xfrm rot="10800000" flipV="1">
-            <a:off x="1619672" y="2240868"/>
-            <a:ext cx="504056" cy="1260140"/>
+          <a:xfrm rot="10800000">
+            <a:off x="971600" y="424977"/>
+            <a:ext cx="429938" cy="514564"/>
           </a:xfrm>
           <a:prstGeom prst="bentConnector3">
             <a:avLst>
               <a:gd name="adj1" fmla="val 50000"/>
             </a:avLst>
           </a:prstGeom>
-          <a:ln>
+          <a:ln w="3175">
+            <a:solidFill>
+              <a:schemeClr val="tx2">
+                <a:lumMod val="75000"/>
+              </a:schemeClr>
+            </a:solidFill>
             <a:tailEnd type="arrow"/>
           </a:ln>
         </p:spPr>
@@ -4021,16 +4225,21 @@
           <p:nvPr/>
         </p:nvCxnSpPr>
         <p:spPr>
-          <a:xfrm rot="10800000" flipV="1">
-            <a:off x="1619672" y="2852936"/>
-            <a:ext cx="504056" cy="648072"/>
+          <a:xfrm rot="10800000">
+            <a:off x="971600" y="424977"/>
+            <a:ext cx="429938" cy="771846"/>
           </a:xfrm>
           <a:prstGeom prst="bentConnector3">
             <a:avLst>
               <a:gd name="adj1" fmla="val 50000"/>
             </a:avLst>
           </a:prstGeom>
-          <a:ln>
+          <a:ln w="3175">
+            <a:solidFill>
+              <a:schemeClr val="tx2">
+                <a:lumMod val="75000"/>
+              </a:schemeClr>
+            </a:solidFill>
             <a:tailEnd type="arrow"/>
           </a:ln>
         </p:spPr>
@@ -4059,16 +4268,21 @@
           <p:nvPr/>
         </p:nvCxnSpPr>
         <p:spPr>
-          <a:xfrm rot="10800000" flipV="1">
-            <a:off x="1619672" y="3465004"/>
-            <a:ext cx="504056" cy="36004"/>
+          <a:xfrm rot="10800000">
+            <a:off x="971600" y="424977"/>
+            <a:ext cx="429938" cy="1029128"/>
           </a:xfrm>
           <a:prstGeom prst="bentConnector3">
             <a:avLst>
               <a:gd name="adj1" fmla="val 50000"/>
             </a:avLst>
           </a:prstGeom>
-          <a:ln>
+          <a:ln w="3175">
+            <a:solidFill>
+              <a:schemeClr val="tx2">
+                <a:lumMod val="75000"/>
+              </a:schemeClr>
+            </a:solidFill>
             <a:tailEnd type="arrow"/>
           </a:ln>
         </p:spPr>
@@ -4095,12 +4309,21 @@
         </p:nvSpPr>
         <p:spPr>
           <a:xfrm>
-            <a:off x="2123728" y="3933056"/>
-            <a:ext cx="864096" cy="288032"/>
+            <a:off x="1401538" y="1619066"/>
+            <a:ext cx="864096" cy="184641"/>
           </a:xfrm>
           <a:prstGeom prst="rect">
             <a:avLst/>
           </a:prstGeom>
+          <a:solidFill>
+            <a:schemeClr val="tx1">
+              <a:lumMod val="65000"/>
+              <a:lumOff val="35000"/>
+            </a:schemeClr>
+          </a:solidFill>
+          <a:ln>
+            <a:noFill/>
+          </a:ln>
         </p:spPr>
         <p:style>
           <a:lnRef idx="2">
@@ -4119,15 +4342,15 @@
           </a:fontRef>
         </p:style>
         <p:txBody>
-          <a:bodyPr rtlCol="0" anchor="ctr"/>
+          <a:bodyPr wrap="none" rtlCol="0" anchor="ctr"/>
           <a:lstStyle/>
           <a:p>
             <a:pPr algn="ctr"/>
             <a:r>
-              <a:rPr lang="en-US" altLang="ko-KR" sz="1400" smtClean="0"/>
+              <a:rPr lang="en-US" altLang="ko-KR" sz="1100" smtClean="0"/>
               <a:t>Texture</a:t>
             </a:r>
-            <a:endParaRPr lang="ko-KR" altLang="en-US" sz="1400"/>
+            <a:endParaRPr lang="ko-KR" altLang="en-US" sz="1100"/>
           </a:p>
         </p:txBody>
       </p:sp>
@@ -4139,12 +4362,21 @@
         </p:nvSpPr>
         <p:spPr>
           <a:xfrm>
-            <a:off x="2123728" y="4545124"/>
-            <a:ext cx="864096" cy="288032"/>
+            <a:off x="1401538" y="1876348"/>
+            <a:ext cx="864096" cy="184641"/>
           </a:xfrm>
           <a:prstGeom prst="rect">
             <a:avLst/>
           </a:prstGeom>
+          <a:solidFill>
+            <a:schemeClr val="tx1">
+              <a:lumMod val="65000"/>
+              <a:lumOff val="35000"/>
+            </a:schemeClr>
+          </a:solidFill>
+          <a:ln>
+            <a:noFill/>
+          </a:ln>
         </p:spPr>
         <p:style>
           <a:lnRef idx="2">
@@ -4163,15 +4395,15 @@
           </a:fontRef>
         </p:style>
         <p:txBody>
-          <a:bodyPr rtlCol="0" anchor="ctr"/>
+          <a:bodyPr wrap="none" rtlCol="0" anchor="ctr"/>
           <a:lstStyle/>
           <a:p>
             <a:pPr algn="ctr"/>
             <a:r>
-              <a:rPr lang="en-US" altLang="ko-KR" sz="1400" smtClean="0"/>
+              <a:rPr lang="en-US" altLang="ko-KR" sz="1100" smtClean="0"/>
               <a:t>Vector</a:t>
             </a:r>
-            <a:endParaRPr lang="ko-KR" altLang="en-US" sz="1400"/>
+            <a:endParaRPr lang="ko-KR" altLang="en-US" sz="1100"/>
           </a:p>
         </p:txBody>
       </p:sp>
@@ -4183,12 +4415,20 @@
         </p:nvSpPr>
         <p:spPr>
           <a:xfrm>
-            <a:off x="7524328" y="4221088"/>
-            <a:ext cx="1368152" cy="288032"/>
+            <a:off x="5652120" y="1381109"/>
+            <a:ext cx="1138223" cy="184641"/>
           </a:xfrm>
           <a:prstGeom prst="rect">
             <a:avLst/>
           </a:prstGeom>
+          <a:solidFill>
+            <a:schemeClr val="accent6">
+              <a:lumMod val="50000"/>
+            </a:schemeClr>
+          </a:solidFill>
+          <a:ln>
+            <a:noFill/>
+          </a:ln>
         </p:spPr>
         <p:style>
           <a:lnRef idx="2">
@@ -4207,15 +4447,15 @@
           </a:fontRef>
         </p:style>
         <p:txBody>
-          <a:bodyPr rtlCol="0" anchor="ctr"/>
+          <a:bodyPr wrap="none" rtlCol="0" anchor="ctr"/>
           <a:lstStyle/>
           <a:p>
             <a:pPr algn="ctr"/>
             <a:r>
-              <a:rPr lang="en-US" altLang="ko-KR" sz="1400" smtClean="0"/>
+              <a:rPr lang="en-US" altLang="ko-KR" sz="1100" smtClean="0"/>
               <a:t>Vertex</a:t>
             </a:r>
-            <a:endParaRPr lang="ko-KR" altLang="en-US" sz="1400"/>
+            <a:endParaRPr lang="ko-KR" altLang="en-US" sz="1100"/>
           </a:p>
         </p:txBody>
       </p:sp>
@@ -4227,12 +4467,20 @@
         </p:nvSpPr>
         <p:spPr>
           <a:xfrm>
-            <a:off x="7524328" y="3789040"/>
-            <a:ext cx="1368152" cy="288032"/>
+            <a:off x="5652120" y="1169398"/>
+            <a:ext cx="1138223" cy="184641"/>
           </a:xfrm>
           <a:prstGeom prst="rect">
             <a:avLst/>
           </a:prstGeom>
+          <a:solidFill>
+            <a:schemeClr val="accent6">
+              <a:lumMod val="50000"/>
+            </a:schemeClr>
+          </a:solidFill>
+          <a:ln>
+            <a:noFill/>
+          </a:ln>
         </p:spPr>
         <p:style>
           <a:lnRef idx="2">
@@ -4251,15 +4499,15 @@
           </a:fontRef>
         </p:style>
         <p:txBody>
-          <a:bodyPr rtlCol="0" anchor="ctr"/>
+          <a:bodyPr wrap="none" rtlCol="0" anchor="ctr"/>
           <a:lstStyle/>
           <a:p>
             <a:pPr algn="ctr"/>
             <a:r>
-              <a:rPr lang="en-US" altLang="ko-KR" sz="1400" smtClean="0"/>
+              <a:rPr lang="en-US" altLang="ko-KR" sz="1100" smtClean="0"/>
               <a:t>VertexShader</a:t>
             </a:r>
-            <a:endParaRPr lang="ko-KR" altLang="en-US" sz="1400"/>
+            <a:endParaRPr lang="ko-KR" altLang="en-US" sz="1100"/>
           </a:p>
         </p:txBody>
       </p:sp>
@@ -4271,12 +4519,21 @@
         </p:nvSpPr>
         <p:spPr>
           <a:xfrm>
-            <a:off x="2123728" y="5157192"/>
-            <a:ext cx="864096" cy="288032"/>
+            <a:off x="1401538" y="2133632"/>
+            <a:ext cx="864096" cy="184641"/>
           </a:xfrm>
           <a:prstGeom prst="rect">
             <a:avLst/>
           </a:prstGeom>
+          <a:solidFill>
+            <a:schemeClr val="tx1">
+              <a:lumMod val="65000"/>
+              <a:lumOff val="35000"/>
+            </a:schemeClr>
+          </a:solidFill>
+          <a:ln>
+            <a:noFill/>
+          </a:ln>
         </p:spPr>
         <p:style>
           <a:lnRef idx="2">
@@ -4295,15 +4552,15 @@
           </a:fontRef>
         </p:style>
         <p:txBody>
-          <a:bodyPr rtlCol="0" anchor="ctr"/>
+          <a:bodyPr wrap="none" rtlCol="0" anchor="ctr"/>
           <a:lstStyle/>
           <a:p>
             <a:pPr algn="ctr"/>
             <a:r>
-              <a:rPr lang="en-US" altLang="ko-KR" sz="1400" smtClean="0"/>
+              <a:rPr lang="en-US" altLang="ko-KR" sz="1100" smtClean="0"/>
               <a:t>World</a:t>
             </a:r>
-            <a:endParaRPr lang="ko-KR" altLang="en-US" sz="1400"/>
+            <a:endParaRPr lang="ko-KR" altLang="en-US" sz="1100"/>
           </a:p>
         </p:txBody>
       </p:sp>
@@ -4318,15 +4575,20 @@
         </p:nvCxnSpPr>
         <p:spPr>
           <a:xfrm rot="10800000">
-            <a:off x="1619672" y="3501008"/>
-            <a:ext cx="504056" cy="576064"/>
+            <a:off x="971600" y="424977"/>
+            <a:ext cx="429938" cy="1286410"/>
           </a:xfrm>
           <a:prstGeom prst="bentConnector3">
             <a:avLst>
               <a:gd name="adj1" fmla="val 50000"/>
             </a:avLst>
           </a:prstGeom>
-          <a:ln>
+          <a:ln w="3175">
+            <a:solidFill>
+              <a:schemeClr val="tx2">
+                <a:lumMod val="75000"/>
+              </a:schemeClr>
+            </a:solidFill>
             <a:tailEnd type="arrow"/>
           </a:ln>
         </p:spPr>
@@ -4356,15 +4618,20 @@
         </p:nvCxnSpPr>
         <p:spPr>
           <a:xfrm rot="10800000">
-            <a:off x="1619672" y="3501008"/>
-            <a:ext cx="504056" cy="1188132"/>
+            <a:off x="971600" y="424977"/>
+            <a:ext cx="429938" cy="1543692"/>
           </a:xfrm>
           <a:prstGeom prst="bentConnector3">
             <a:avLst>
               <a:gd name="adj1" fmla="val 50000"/>
             </a:avLst>
           </a:prstGeom>
-          <a:ln>
+          <a:ln w="3175">
+            <a:solidFill>
+              <a:schemeClr val="tx2">
+                <a:lumMod val="75000"/>
+              </a:schemeClr>
+            </a:solidFill>
             <a:tailEnd type="arrow"/>
           </a:ln>
         </p:spPr>
@@ -4394,15 +4661,20 @@
         </p:nvCxnSpPr>
         <p:spPr>
           <a:xfrm rot="10800000">
-            <a:off x="1619672" y="3501008"/>
-            <a:ext cx="504056" cy="1800200"/>
+            <a:off x="971600" y="424977"/>
+            <a:ext cx="429938" cy="1800976"/>
           </a:xfrm>
           <a:prstGeom prst="bentConnector3">
             <a:avLst>
               <a:gd name="adj1" fmla="val 50000"/>
             </a:avLst>
           </a:prstGeom>
-          <a:ln>
+          <a:ln w="3175">
+            <a:solidFill>
+              <a:schemeClr val="tx2">
+                <a:lumMod val="75000"/>
+              </a:schemeClr>
+            </a:solidFill>
             <a:tailEnd type="arrow"/>
           </a:ln>
         </p:spPr>
@@ -4423,21 +4695,760 @@
       </p:cxnSp>
       <p:cxnSp>
         <p:nvCxnSpPr>
-          <p:cNvPr id="68" name="직선 화살표 연결선 67"/>
+          <p:cNvPr id="57" name="꺾인 연결선 56"/>
           <p:cNvCxnSpPr>
+            <a:stCxn id="6" idx="1"/>
             <a:endCxn id="5" idx="3"/>
           </p:cNvCxnSpPr>
           <p:nvPr/>
         </p:nvCxnSpPr>
         <p:spPr>
-          <a:xfrm flipH="1">
-            <a:off x="2987824" y="404664"/>
-            <a:ext cx="792088" cy="0"/>
-          </a:xfrm>
-          <a:prstGeom prst="straightConnector1">
+          <a:xfrm rot="10800000">
+            <a:off x="2265634" y="424977"/>
+            <a:ext cx="373272" cy="12700"/>
+          </a:xfrm>
+          <a:prstGeom prst="bentConnector3">
+            <a:avLst>
+              <a:gd name="adj1" fmla="val 50000"/>
+            </a:avLst>
+          </a:prstGeom>
+          <a:ln w="3175">
+            <a:solidFill>
+              <a:schemeClr val="tx2">
+                <a:lumMod val="75000"/>
+              </a:schemeClr>
+            </a:solidFill>
+            <a:tailEnd type="arrow"/>
+          </a:ln>
+        </p:spPr>
+        <p:style>
+          <a:lnRef idx="1">
+            <a:schemeClr val="accent1"/>
+          </a:lnRef>
+          <a:fillRef idx="0">
+            <a:schemeClr val="accent1"/>
+          </a:fillRef>
+          <a:effectRef idx="0">
+            <a:schemeClr val="accent1"/>
+          </a:effectRef>
+          <a:fontRef idx="minor">
+            <a:schemeClr val="tx1"/>
+          </a:fontRef>
+        </p:style>
+      </p:cxnSp>
+      <p:sp>
+        <p:nvSpPr>
+          <p:cNvPr id="115" name="직사각형 114"/>
+          <p:cNvSpPr/>
+          <p:nvPr/>
+        </p:nvSpPr>
+        <p:spPr>
+          <a:xfrm>
+            <a:off x="2635985" y="2192643"/>
+            <a:ext cx="576064" cy="184641"/>
+          </a:xfrm>
+          <a:prstGeom prst="rect">
             <a:avLst/>
           </a:prstGeom>
+          <a:solidFill>
+            <a:schemeClr val="accent5">
+              <a:lumMod val="50000"/>
+            </a:schemeClr>
+          </a:solidFill>
           <a:ln>
+            <a:noFill/>
+          </a:ln>
+        </p:spPr>
+        <p:style>
+          <a:lnRef idx="2">
+            <a:schemeClr val="accent1">
+              <a:shade val="50000"/>
+            </a:schemeClr>
+          </a:lnRef>
+          <a:fillRef idx="1">
+            <a:schemeClr val="accent1"/>
+          </a:fillRef>
+          <a:effectRef idx="0">
+            <a:schemeClr val="accent1"/>
+          </a:effectRef>
+          <a:fontRef idx="minor">
+            <a:schemeClr val="lt1"/>
+          </a:fontRef>
+        </p:style>
+        <p:txBody>
+          <a:bodyPr wrap="none" rtlCol="0" anchor="ctr"/>
+          <a:lstStyle/>
+          <a:p>
+            <a:pPr algn="ctr"/>
+            <a:r>
+              <a:rPr lang="en-US" altLang="ko-KR" sz="1100" smtClean="0"/>
+              <a:t>Mesh</a:t>
+            </a:r>
+            <a:endParaRPr lang="ko-KR" altLang="en-US" sz="1100"/>
+          </a:p>
+        </p:txBody>
+      </p:sp>
+      <p:sp>
+        <p:nvSpPr>
+          <p:cNvPr id="116" name="직사각형 115"/>
+          <p:cNvSpPr/>
+          <p:nvPr/>
+        </p:nvSpPr>
+        <p:spPr>
+          <a:xfrm>
+            <a:off x="3487657" y="2007849"/>
+            <a:ext cx="864096" cy="184641"/>
+          </a:xfrm>
+          <a:prstGeom prst="rect">
+            <a:avLst/>
+          </a:prstGeom>
+          <a:solidFill>
+            <a:schemeClr val="accent5">
+              <a:lumMod val="50000"/>
+            </a:schemeClr>
+          </a:solidFill>
+          <a:ln>
+            <a:noFill/>
+          </a:ln>
+        </p:spPr>
+        <p:style>
+          <a:lnRef idx="2">
+            <a:schemeClr val="accent1">
+              <a:shade val="50000"/>
+            </a:schemeClr>
+          </a:lnRef>
+          <a:fillRef idx="1">
+            <a:schemeClr val="accent1"/>
+          </a:fillRef>
+          <a:effectRef idx="0">
+            <a:schemeClr val="accent1"/>
+          </a:effectRef>
+          <a:fontRef idx="minor">
+            <a:schemeClr val="lt1"/>
+          </a:fontRef>
+        </p:style>
+        <p:txBody>
+          <a:bodyPr wrap="none" rtlCol="0" anchor="ctr"/>
+          <a:lstStyle/>
+          <a:p>
+            <a:pPr algn="ctr"/>
+            <a:r>
+              <a:rPr lang="en-US" altLang="ko-KR" sz="1100" smtClean="0"/>
+              <a:t>Material</a:t>
+            </a:r>
+            <a:endParaRPr lang="ko-KR" altLang="en-US" sz="1100"/>
+          </a:p>
+        </p:txBody>
+      </p:sp>
+      <p:sp>
+        <p:nvSpPr>
+          <p:cNvPr id="117" name="직사각형 116"/>
+          <p:cNvSpPr/>
+          <p:nvPr/>
+        </p:nvSpPr>
+        <p:spPr>
+          <a:xfrm>
+            <a:off x="3487657" y="2384176"/>
+            <a:ext cx="864094" cy="184641"/>
+          </a:xfrm>
+          <a:prstGeom prst="rect">
+            <a:avLst/>
+          </a:prstGeom>
+          <a:solidFill>
+            <a:schemeClr val="accent5">
+              <a:lumMod val="50000"/>
+            </a:schemeClr>
+          </a:solidFill>
+          <a:ln>
+            <a:noFill/>
+          </a:ln>
+        </p:spPr>
+        <p:style>
+          <a:lnRef idx="2">
+            <a:schemeClr val="accent1">
+              <a:shade val="50000"/>
+            </a:schemeClr>
+          </a:lnRef>
+          <a:fillRef idx="1">
+            <a:schemeClr val="accent1"/>
+          </a:fillRef>
+          <a:effectRef idx="0">
+            <a:schemeClr val="accent1"/>
+          </a:effectRef>
+          <a:fontRef idx="minor">
+            <a:schemeClr val="lt1"/>
+          </a:fontRef>
+        </p:style>
+        <p:txBody>
+          <a:bodyPr wrap="none" rtlCol="0" anchor="ctr"/>
+          <a:lstStyle/>
+          <a:p>
+            <a:pPr algn="ctr"/>
+            <a:r>
+              <a:rPr lang="en-US" altLang="ko-KR" sz="1100" smtClean="0"/>
+              <a:t>Geometry</a:t>
+            </a:r>
+            <a:endParaRPr lang="ko-KR" altLang="en-US" sz="1100"/>
+          </a:p>
+        </p:txBody>
+      </p:sp>
+      <p:sp>
+        <p:nvSpPr>
+          <p:cNvPr id="126" name="직사각형 125"/>
+          <p:cNvSpPr/>
+          <p:nvPr/>
+        </p:nvSpPr>
+        <p:spPr>
+          <a:xfrm>
+            <a:off x="4609628" y="2110062"/>
+            <a:ext cx="864096" cy="184641"/>
+          </a:xfrm>
+          <a:prstGeom prst="rect">
+            <a:avLst/>
+          </a:prstGeom>
+          <a:solidFill>
+            <a:schemeClr val="accent5">
+              <a:lumMod val="50000"/>
+            </a:schemeClr>
+          </a:solidFill>
+          <a:ln>
+            <a:noFill/>
+          </a:ln>
+        </p:spPr>
+        <p:style>
+          <a:lnRef idx="2">
+            <a:schemeClr val="accent1">
+              <a:shade val="50000"/>
+            </a:schemeClr>
+          </a:lnRef>
+          <a:fillRef idx="1">
+            <a:schemeClr val="accent1"/>
+          </a:fillRef>
+          <a:effectRef idx="0">
+            <a:schemeClr val="accent1"/>
+          </a:effectRef>
+          <a:fontRef idx="minor">
+            <a:schemeClr val="lt1"/>
+          </a:fontRef>
+        </p:style>
+        <p:txBody>
+          <a:bodyPr wrap="none" rtlCol="0" anchor="ctr"/>
+          <a:lstStyle/>
+          <a:p>
+            <a:pPr algn="ctr"/>
+            <a:r>
+              <a:rPr lang="en-US" altLang="ko-KR" sz="1100" smtClean="0"/>
+              <a:t>Texture</a:t>
+            </a:r>
+            <a:endParaRPr lang="ko-KR" altLang="en-US" sz="1100"/>
+          </a:p>
+        </p:txBody>
+      </p:sp>
+      <p:sp>
+        <p:nvSpPr>
+          <p:cNvPr id="127" name="직사각형 126"/>
+          <p:cNvSpPr/>
+          <p:nvPr/>
+        </p:nvSpPr>
+        <p:spPr>
+          <a:xfrm>
+            <a:off x="4609628" y="2384176"/>
+            <a:ext cx="864096" cy="184641"/>
+          </a:xfrm>
+          <a:prstGeom prst="rect">
+            <a:avLst/>
+          </a:prstGeom>
+          <a:solidFill>
+            <a:schemeClr val="accent5">
+              <a:lumMod val="50000"/>
+            </a:schemeClr>
+          </a:solidFill>
+          <a:ln>
+            <a:noFill/>
+          </a:ln>
+        </p:spPr>
+        <p:style>
+          <a:lnRef idx="2">
+            <a:schemeClr val="accent1">
+              <a:shade val="50000"/>
+            </a:schemeClr>
+          </a:lnRef>
+          <a:fillRef idx="1">
+            <a:schemeClr val="accent1"/>
+          </a:fillRef>
+          <a:effectRef idx="0">
+            <a:schemeClr val="accent1"/>
+          </a:effectRef>
+          <a:fontRef idx="minor">
+            <a:schemeClr val="lt1"/>
+          </a:fontRef>
+        </p:style>
+        <p:txBody>
+          <a:bodyPr wrap="none" rtlCol="0" anchor="ctr"/>
+          <a:lstStyle/>
+          <a:p>
+            <a:pPr algn="ctr"/>
+            <a:r>
+              <a:rPr lang="en-US" altLang="ko-KR" sz="1100" smtClean="0"/>
+              <a:t>Shader</a:t>
+            </a:r>
+            <a:endParaRPr lang="ko-KR" altLang="en-US" sz="1100"/>
+          </a:p>
+        </p:txBody>
+      </p:sp>
+      <p:sp>
+        <p:nvSpPr>
+          <p:cNvPr id="128" name="직사각형 127"/>
+          <p:cNvSpPr/>
+          <p:nvPr/>
+        </p:nvSpPr>
+        <p:spPr>
+          <a:xfrm>
+            <a:off x="4609628" y="1888969"/>
+            <a:ext cx="864096" cy="184641"/>
+          </a:xfrm>
+          <a:prstGeom prst="rect">
+            <a:avLst/>
+          </a:prstGeom>
+          <a:solidFill>
+            <a:schemeClr val="accent5">
+              <a:lumMod val="50000"/>
+            </a:schemeClr>
+          </a:solidFill>
+          <a:ln>
+            <a:noFill/>
+          </a:ln>
+        </p:spPr>
+        <p:style>
+          <a:lnRef idx="2">
+            <a:schemeClr val="accent1">
+              <a:shade val="50000"/>
+            </a:schemeClr>
+          </a:lnRef>
+          <a:fillRef idx="1">
+            <a:schemeClr val="accent1"/>
+          </a:fillRef>
+          <a:effectRef idx="0">
+            <a:schemeClr val="accent1"/>
+          </a:effectRef>
+          <a:fontRef idx="minor">
+            <a:schemeClr val="lt1"/>
+          </a:fontRef>
+        </p:style>
+        <p:txBody>
+          <a:bodyPr wrap="none" rtlCol="0" anchor="ctr"/>
+          <a:lstStyle/>
+          <a:p>
+            <a:pPr algn="ctr"/>
+            <a:r>
+              <a:rPr lang="en-US" altLang="ko-KR" sz="1100" smtClean="0"/>
+              <a:t>Shader</a:t>
+            </a:r>
+            <a:endParaRPr lang="ko-KR" altLang="en-US" sz="1100"/>
+          </a:p>
+        </p:txBody>
+      </p:sp>
+      <p:sp>
+        <p:nvSpPr>
+          <p:cNvPr id="129" name="직사각형 128"/>
+          <p:cNvSpPr/>
+          <p:nvPr/>
+        </p:nvSpPr>
+        <p:spPr>
+          <a:xfrm>
+            <a:off x="1401537" y="2446574"/>
+            <a:ext cx="864096" cy="184641"/>
+          </a:xfrm>
+          <a:prstGeom prst="rect">
+            <a:avLst/>
+          </a:prstGeom>
+          <a:solidFill>
+            <a:schemeClr val="accent5">
+              <a:lumMod val="50000"/>
+            </a:schemeClr>
+          </a:solidFill>
+          <a:ln>
+            <a:noFill/>
+          </a:ln>
+        </p:spPr>
+        <p:style>
+          <a:lnRef idx="2">
+            <a:schemeClr val="accent1">
+              <a:shade val="50000"/>
+            </a:schemeClr>
+          </a:lnRef>
+          <a:fillRef idx="1">
+            <a:schemeClr val="accent1"/>
+          </a:fillRef>
+          <a:effectRef idx="0">
+            <a:schemeClr val="accent1"/>
+          </a:effectRef>
+          <a:fontRef idx="minor">
+            <a:schemeClr val="lt1"/>
+          </a:fontRef>
+        </p:style>
+        <p:txBody>
+          <a:bodyPr wrap="none" rtlCol="0" anchor="ctr"/>
+          <a:lstStyle/>
+          <a:p>
+            <a:pPr algn="ctr"/>
+            <a:r>
+              <a:rPr lang="en-US" altLang="ko-KR" sz="1100" smtClean="0"/>
+              <a:t>Scene</a:t>
+            </a:r>
+            <a:endParaRPr lang="ko-KR" altLang="en-US" sz="1100"/>
+          </a:p>
+        </p:txBody>
+      </p:sp>
+      <p:sp>
+        <p:nvSpPr>
+          <p:cNvPr id="130" name="직사각형 129"/>
+          <p:cNvSpPr/>
+          <p:nvPr/>
+        </p:nvSpPr>
+        <p:spPr>
+          <a:xfrm>
+            <a:off x="2635985" y="1413757"/>
+            <a:ext cx="576064" cy="184641"/>
+          </a:xfrm>
+          <a:prstGeom prst="rect">
+            <a:avLst/>
+          </a:prstGeom>
+          <a:solidFill>
+            <a:schemeClr val="accent5">
+              <a:lumMod val="50000"/>
+            </a:schemeClr>
+          </a:solidFill>
+          <a:ln>
+            <a:noFill/>
+          </a:ln>
+        </p:spPr>
+        <p:style>
+          <a:lnRef idx="2">
+            <a:schemeClr val="accent1">
+              <a:shade val="50000"/>
+            </a:schemeClr>
+          </a:lnRef>
+          <a:fillRef idx="1">
+            <a:schemeClr val="accent1"/>
+          </a:fillRef>
+          <a:effectRef idx="0">
+            <a:schemeClr val="accent1"/>
+          </a:effectRef>
+          <a:fontRef idx="minor">
+            <a:schemeClr val="lt1"/>
+          </a:fontRef>
+        </p:style>
+        <p:txBody>
+          <a:bodyPr wrap="none" rtlCol="0" anchor="ctr"/>
+          <a:lstStyle/>
+          <a:p>
+            <a:pPr algn="ctr"/>
+            <a:r>
+              <a:rPr lang="en-US" altLang="ko-KR" sz="1100" smtClean="0"/>
+              <a:t>Group</a:t>
+            </a:r>
+            <a:endParaRPr lang="ko-KR" altLang="en-US" sz="1100"/>
+          </a:p>
+        </p:txBody>
+      </p:sp>
+      <p:sp>
+        <p:nvSpPr>
+          <p:cNvPr id="131" name="직사각형 130"/>
+          <p:cNvSpPr/>
+          <p:nvPr/>
+        </p:nvSpPr>
+        <p:spPr>
+          <a:xfrm>
+            <a:off x="2635985" y="1673386"/>
+            <a:ext cx="576064" cy="184641"/>
+          </a:xfrm>
+          <a:prstGeom prst="rect">
+            <a:avLst/>
+          </a:prstGeom>
+          <a:solidFill>
+            <a:schemeClr val="accent5">
+              <a:lumMod val="50000"/>
+            </a:schemeClr>
+          </a:solidFill>
+          <a:ln>
+            <a:noFill/>
+          </a:ln>
+        </p:spPr>
+        <p:style>
+          <a:lnRef idx="2">
+            <a:schemeClr val="accent1">
+              <a:shade val="50000"/>
+            </a:schemeClr>
+          </a:lnRef>
+          <a:fillRef idx="1">
+            <a:schemeClr val="accent1"/>
+          </a:fillRef>
+          <a:effectRef idx="0">
+            <a:schemeClr val="accent1"/>
+          </a:effectRef>
+          <a:fontRef idx="minor">
+            <a:schemeClr val="lt1"/>
+          </a:fontRef>
+        </p:style>
+        <p:txBody>
+          <a:bodyPr wrap="none" rtlCol="0" anchor="ctr"/>
+          <a:lstStyle/>
+          <a:p>
+            <a:pPr algn="ctr"/>
+            <a:r>
+              <a:rPr lang="en-US" altLang="ko-KR" sz="1100" smtClean="0"/>
+              <a:t>Light</a:t>
+            </a:r>
+            <a:endParaRPr lang="ko-KR" altLang="en-US" sz="1100"/>
+          </a:p>
+        </p:txBody>
+      </p:sp>
+      <p:sp>
+        <p:nvSpPr>
+          <p:cNvPr id="132" name="직사각형 131"/>
+          <p:cNvSpPr/>
+          <p:nvPr/>
+        </p:nvSpPr>
+        <p:spPr>
+          <a:xfrm>
+            <a:off x="2635985" y="1933015"/>
+            <a:ext cx="576064" cy="184641"/>
+          </a:xfrm>
+          <a:prstGeom prst="rect">
+            <a:avLst/>
+          </a:prstGeom>
+          <a:solidFill>
+            <a:schemeClr val="accent5">
+              <a:lumMod val="50000"/>
+            </a:schemeClr>
+          </a:solidFill>
+          <a:ln>
+            <a:noFill/>
+          </a:ln>
+        </p:spPr>
+        <p:style>
+          <a:lnRef idx="2">
+            <a:schemeClr val="accent1">
+              <a:shade val="50000"/>
+            </a:schemeClr>
+          </a:lnRef>
+          <a:fillRef idx="1">
+            <a:schemeClr val="accent1"/>
+          </a:fillRef>
+          <a:effectRef idx="0">
+            <a:schemeClr val="accent1"/>
+          </a:effectRef>
+          <a:fontRef idx="minor">
+            <a:schemeClr val="lt1"/>
+          </a:fontRef>
+        </p:style>
+        <p:txBody>
+          <a:bodyPr wrap="none" rtlCol="0" anchor="ctr"/>
+          <a:lstStyle/>
+          <a:p>
+            <a:pPr algn="ctr"/>
+            <a:r>
+              <a:rPr lang="en-US" altLang="ko-KR" sz="1100" smtClean="0"/>
+              <a:t>Came</a:t>
+            </a:r>
+            <a:r>
+              <a:rPr lang="en-US" altLang="ko-KR" sz="1100" smtClean="0">
+                <a:solidFill>
+                  <a:schemeClr val="bg1"/>
+                </a:solidFill>
+              </a:rPr>
+              <a:t>r</a:t>
+            </a:r>
+            <a:r>
+              <a:rPr lang="en-US" altLang="ko-KR" sz="1100" smtClean="0"/>
+              <a:t>a</a:t>
+            </a:r>
+            <a:endParaRPr lang="ko-KR" altLang="en-US" sz="1100"/>
+          </a:p>
+        </p:txBody>
+      </p:sp>
+      <p:sp>
+        <p:nvSpPr>
+          <p:cNvPr id="133" name="직사각형 132"/>
+          <p:cNvSpPr/>
+          <p:nvPr/>
+        </p:nvSpPr>
+        <p:spPr>
+          <a:xfrm>
+            <a:off x="3487658" y="1413757"/>
+            <a:ext cx="576064" cy="184641"/>
+          </a:xfrm>
+          <a:prstGeom prst="rect">
+            <a:avLst/>
+          </a:prstGeom>
+          <a:solidFill>
+            <a:schemeClr val="accent5">
+              <a:lumMod val="50000"/>
+            </a:schemeClr>
+          </a:solidFill>
+          <a:ln>
+            <a:noFill/>
+          </a:ln>
+        </p:spPr>
+        <p:style>
+          <a:lnRef idx="2">
+            <a:schemeClr val="accent1">
+              <a:shade val="50000"/>
+            </a:schemeClr>
+          </a:lnRef>
+          <a:fillRef idx="1">
+            <a:schemeClr val="accent1"/>
+          </a:fillRef>
+          <a:effectRef idx="0">
+            <a:schemeClr val="accent1"/>
+          </a:effectRef>
+          <a:fontRef idx="minor">
+            <a:schemeClr val="lt1"/>
+          </a:fontRef>
+        </p:style>
+        <p:txBody>
+          <a:bodyPr wrap="none" rtlCol="0" anchor="ctr"/>
+          <a:lstStyle/>
+          <a:p>
+            <a:pPr algn="ctr"/>
+            <a:r>
+              <a:rPr lang="en-US" altLang="ko-KR" sz="1100" smtClean="0"/>
+              <a:t>Mesh</a:t>
+            </a:r>
+            <a:endParaRPr lang="ko-KR" altLang="en-US" sz="1100"/>
+          </a:p>
+        </p:txBody>
+      </p:sp>
+      <p:sp>
+        <p:nvSpPr>
+          <p:cNvPr id="134" name="직사각형 133"/>
+          <p:cNvSpPr/>
+          <p:nvPr/>
+        </p:nvSpPr>
+        <p:spPr>
+          <a:xfrm>
+            <a:off x="179511" y="2442071"/>
+            <a:ext cx="864096" cy="184641"/>
+          </a:xfrm>
+          <a:prstGeom prst="rect">
+            <a:avLst/>
+          </a:prstGeom>
+          <a:solidFill>
+            <a:schemeClr val="accent5">
+              <a:lumMod val="50000"/>
+            </a:schemeClr>
+          </a:solidFill>
+          <a:ln>
+            <a:noFill/>
+          </a:ln>
+        </p:spPr>
+        <p:style>
+          <a:lnRef idx="2">
+            <a:schemeClr val="accent1">
+              <a:shade val="50000"/>
+            </a:schemeClr>
+          </a:lnRef>
+          <a:fillRef idx="1">
+            <a:schemeClr val="accent1"/>
+          </a:fillRef>
+          <a:effectRef idx="0">
+            <a:schemeClr val="accent1"/>
+          </a:effectRef>
+          <a:fontRef idx="minor">
+            <a:schemeClr val="lt1"/>
+          </a:fontRef>
+        </p:style>
+        <p:txBody>
+          <a:bodyPr wrap="none" rtlCol="0" anchor="ctr"/>
+          <a:lstStyle/>
+          <a:p>
+            <a:pPr algn="ctr"/>
+            <a:r>
+              <a:rPr lang="en-US" altLang="ko-KR" sz="1100" smtClean="0"/>
+              <a:t>World</a:t>
+            </a:r>
+            <a:endParaRPr lang="ko-KR" altLang="en-US" sz="1100"/>
+          </a:p>
+        </p:txBody>
+      </p:sp>
+      <p:sp>
+        <p:nvSpPr>
+          <p:cNvPr id="135" name="직사각형 134"/>
+          <p:cNvSpPr/>
+          <p:nvPr/>
+        </p:nvSpPr>
+        <p:spPr>
+          <a:xfrm>
+            <a:off x="2638906" y="2452271"/>
+            <a:ext cx="570222" cy="184641"/>
+          </a:xfrm>
+          <a:prstGeom prst="rect">
+            <a:avLst/>
+          </a:prstGeom>
+          <a:solidFill>
+            <a:schemeClr val="accent5">
+              <a:lumMod val="50000"/>
+            </a:schemeClr>
+          </a:solidFill>
+          <a:ln>
+            <a:noFill/>
+          </a:ln>
+        </p:spPr>
+        <p:style>
+          <a:lnRef idx="2">
+            <a:schemeClr val="accent1">
+              <a:shade val="50000"/>
+            </a:schemeClr>
+          </a:lnRef>
+          <a:fillRef idx="1">
+            <a:schemeClr val="accent1"/>
+          </a:fillRef>
+          <a:effectRef idx="0">
+            <a:schemeClr val="accent1"/>
+          </a:effectRef>
+          <a:fontRef idx="minor">
+            <a:schemeClr val="lt1"/>
+          </a:fontRef>
+        </p:style>
+        <p:txBody>
+          <a:bodyPr wrap="none" rtlCol="0" anchor="ctr"/>
+          <a:lstStyle/>
+          <a:p>
+            <a:pPr algn="ctr"/>
+            <a:r>
+              <a:rPr lang="en-US" altLang="ko-KR" sz="1100" smtClean="0"/>
+              <a:t>Shader</a:t>
+            </a:r>
+            <a:endParaRPr lang="ko-KR" altLang="en-US" sz="1100"/>
+          </a:p>
+        </p:txBody>
+      </p:sp>
+      <p:cxnSp>
+        <p:nvCxnSpPr>
+          <p:cNvPr id="136" name="꺾인 연결선 135"/>
+          <p:cNvCxnSpPr>
+            <a:stCxn id="129" idx="1"/>
+            <a:endCxn id="134" idx="3"/>
+          </p:cNvCxnSpPr>
+          <p:nvPr/>
+        </p:nvCxnSpPr>
+        <p:spPr>
+          <a:xfrm rot="10800000">
+            <a:off x="1043607" y="2534393"/>
+            <a:ext cx="357930" cy="4503"/>
+          </a:xfrm>
+          <a:prstGeom prst="bentConnector3">
+            <a:avLst>
+              <a:gd name="adj1" fmla="val 50000"/>
+            </a:avLst>
+          </a:prstGeom>
+          <a:ln w="3175">
+            <a:solidFill>
+              <a:schemeClr val="tx2">
+                <a:lumMod val="75000"/>
+              </a:schemeClr>
+            </a:solidFill>
             <a:tailEnd type="arrow"/>
           </a:ln>
         </p:spPr>
@@ -4458,24 +5469,29 @@
       </p:cxnSp>
       <p:cxnSp>
         <p:nvCxnSpPr>
-          <p:cNvPr id="70" name="꺾인 연결선 69"/>
+          <p:cNvPr id="139" name="꺾인 연결선 138"/>
           <p:cNvCxnSpPr>
-            <a:stCxn id="16" idx="1"/>
-            <a:endCxn id="4" idx="3"/>
+            <a:stCxn id="115" idx="1"/>
+            <a:endCxn id="129" idx="3"/>
           </p:cNvCxnSpPr>
           <p:nvPr/>
         </p:nvCxnSpPr>
         <p:spPr>
-          <a:xfrm rot="10800000">
-            <a:off x="1619672" y="3501008"/>
-            <a:ext cx="504056" cy="2412268"/>
+          <a:xfrm rot="10800000" flipV="1">
+            <a:off x="2265633" y="2284963"/>
+            <a:ext cx="370352" cy="253931"/>
           </a:xfrm>
           <a:prstGeom prst="bentConnector3">
             <a:avLst>
               <a:gd name="adj1" fmla="val 50000"/>
             </a:avLst>
           </a:prstGeom>
-          <a:ln>
+          <a:ln w="3175">
+            <a:solidFill>
+              <a:schemeClr val="tx2">
+                <a:lumMod val="75000"/>
+              </a:schemeClr>
+            </a:solidFill>
             <a:tailEnd type="arrow"/>
           </a:ln>
         </p:spPr>
@@ -4496,24 +5512,29 @@
       </p:cxnSp>
       <p:cxnSp>
         <p:nvCxnSpPr>
-          <p:cNvPr id="72" name="꺾인 연결선 71"/>
+          <p:cNvPr id="142" name="꺾인 연결선 141"/>
           <p:cNvCxnSpPr>
-            <a:stCxn id="9" idx="1"/>
-            <a:endCxn id="4" idx="3"/>
+            <a:stCxn id="130" idx="1"/>
+            <a:endCxn id="129" idx="3"/>
           </p:cNvCxnSpPr>
           <p:nvPr/>
         </p:nvCxnSpPr>
         <p:spPr>
-          <a:xfrm rot="10800000">
-            <a:off x="1619672" y="3501008"/>
-            <a:ext cx="504056" cy="3024336"/>
+          <a:xfrm rot="10800000" flipV="1">
+            <a:off x="2265633" y="1506077"/>
+            <a:ext cx="370352" cy="1032817"/>
           </a:xfrm>
           <a:prstGeom prst="bentConnector3">
             <a:avLst>
               <a:gd name="adj1" fmla="val 50000"/>
             </a:avLst>
           </a:prstGeom>
-          <a:ln>
+          <a:ln w="3175">
+            <a:solidFill>
+              <a:schemeClr val="tx2">
+                <a:lumMod val="75000"/>
+              </a:schemeClr>
+            </a:solidFill>
             <a:tailEnd type="arrow"/>
           </a:ln>
         </p:spPr>
@@ -4532,6 +5553,575 @@
           </a:fontRef>
         </p:style>
       </p:cxnSp>
+      <p:cxnSp>
+        <p:nvCxnSpPr>
+          <p:cNvPr id="145" name="꺾인 연결선 144"/>
+          <p:cNvCxnSpPr>
+            <a:stCxn id="131" idx="1"/>
+            <a:endCxn id="129" idx="3"/>
+          </p:cNvCxnSpPr>
+          <p:nvPr/>
+        </p:nvCxnSpPr>
+        <p:spPr>
+          <a:xfrm rot="10800000" flipV="1">
+            <a:off x="2265633" y="1765707"/>
+            <a:ext cx="370352" cy="773188"/>
+          </a:xfrm>
+          <a:prstGeom prst="bentConnector3">
+            <a:avLst>
+              <a:gd name="adj1" fmla="val 50000"/>
+            </a:avLst>
+          </a:prstGeom>
+          <a:ln w="3175">
+            <a:solidFill>
+              <a:schemeClr val="tx2">
+                <a:lumMod val="75000"/>
+              </a:schemeClr>
+            </a:solidFill>
+            <a:tailEnd type="arrow"/>
+          </a:ln>
+        </p:spPr>
+        <p:style>
+          <a:lnRef idx="1">
+            <a:schemeClr val="accent1"/>
+          </a:lnRef>
+          <a:fillRef idx="0">
+            <a:schemeClr val="accent1"/>
+          </a:fillRef>
+          <a:effectRef idx="0">
+            <a:schemeClr val="accent1"/>
+          </a:effectRef>
+          <a:fontRef idx="minor">
+            <a:schemeClr val="tx1"/>
+          </a:fontRef>
+        </p:style>
+      </p:cxnSp>
+      <p:cxnSp>
+        <p:nvCxnSpPr>
+          <p:cNvPr id="146" name="꺾인 연결선 145"/>
+          <p:cNvCxnSpPr>
+            <a:stCxn id="132" idx="1"/>
+            <a:endCxn id="129" idx="3"/>
+          </p:cNvCxnSpPr>
+          <p:nvPr/>
+        </p:nvCxnSpPr>
+        <p:spPr>
+          <a:xfrm rot="10800000" flipV="1">
+            <a:off x="2265633" y="2025335"/>
+            <a:ext cx="370352" cy="513559"/>
+          </a:xfrm>
+          <a:prstGeom prst="bentConnector3">
+            <a:avLst>
+              <a:gd name="adj1" fmla="val 50000"/>
+            </a:avLst>
+          </a:prstGeom>
+          <a:ln w="3175">
+            <a:solidFill>
+              <a:schemeClr val="tx2">
+                <a:lumMod val="75000"/>
+              </a:schemeClr>
+            </a:solidFill>
+            <a:tailEnd type="arrow"/>
+          </a:ln>
+        </p:spPr>
+        <p:style>
+          <a:lnRef idx="1">
+            <a:schemeClr val="accent1"/>
+          </a:lnRef>
+          <a:fillRef idx="0">
+            <a:schemeClr val="accent1"/>
+          </a:fillRef>
+          <a:effectRef idx="0">
+            <a:schemeClr val="accent1"/>
+          </a:effectRef>
+          <a:fontRef idx="minor">
+            <a:schemeClr val="tx1"/>
+          </a:fontRef>
+        </p:style>
+      </p:cxnSp>
+      <p:cxnSp>
+        <p:nvCxnSpPr>
+          <p:cNvPr id="147" name="꺾인 연결선 146"/>
+          <p:cNvCxnSpPr>
+            <a:stCxn id="135" idx="1"/>
+            <a:endCxn id="129" idx="3"/>
+          </p:cNvCxnSpPr>
+          <p:nvPr/>
+        </p:nvCxnSpPr>
+        <p:spPr>
+          <a:xfrm rot="10800000">
+            <a:off x="2265634" y="2538896"/>
+            <a:ext cx="373273" cy="5697"/>
+          </a:xfrm>
+          <a:prstGeom prst="bentConnector3">
+            <a:avLst>
+              <a:gd name="adj1" fmla="val 50000"/>
+            </a:avLst>
+          </a:prstGeom>
+          <a:ln w="3175">
+            <a:solidFill>
+              <a:schemeClr val="tx2">
+                <a:lumMod val="75000"/>
+              </a:schemeClr>
+            </a:solidFill>
+            <a:tailEnd type="arrow"/>
+          </a:ln>
+        </p:spPr>
+        <p:style>
+          <a:lnRef idx="1">
+            <a:schemeClr val="accent1"/>
+          </a:lnRef>
+          <a:fillRef idx="0">
+            <a:schemeClr val="accent1"/>
+          </a:fillRef>
+          <a:effectRef idx="0">
+            <a:schemeClr val="accent1"/>
+          </a:effectRef>
+          <a:fontRef idx="minor">
+            <a:schemeClr val="tx1"/>
+          </a:fontRef>
+        </p:style>
+      </p:cxnSp>
+      <p:cxnSp>
+        <p:nvCxnSpPr>
+          <p:cNvPr id="154" name="꺾인 연결선 153"/>
+          <p:cNvCxnSpPr>
+            <a:stCxn id="133" idx="1"/>
+            <a:endCxn id="130" idx="3"/>
+          </p:cNvCxnSpPr>
+          <p:nvPr/>
+        </p:nvCxnSpPr>
+        <p:spPr>
+          <a:xfrm rot="10800000">
+            <a:off x="3212050" y="1506078"/>
+            <a:ext cx="275609" cy="12700"/>
+          </a:xfrm>
+          <a:prstGeom prst="bentConnector3">
+            <a:avLst>
+              <a:gd name="adj1" fmla="val 50000"/>
+            </a:avLst>
+          </a:prstGeom>
+          <a:ln w="3175">
+            <a:solidFill>
+              <a:schemeClr val="tx2">
+                <a:lumMod val="75000"/>
+              </a:schemeClr>
+            </a:solidFill>
+            <a:tailEnd type="arrow"/>
+          </a:ln>
+        </p:spPr>
+        <p:style>
+          <a:lnRef idx="1">
+            <a:schemeClr val="accent1"/>
+          </a:lnRef>
+          <a:fillRef idx="0">
+            <a:schemeClr val="accent1"/>
+          </a:fillRef>
+          <a:effectRef idx="0">
+            <a:schemeClr val="accent1"/>
+          </a:effectRef>
+          <a:fontRef idx="minor">
+            <a:schemeClr val="tx1"/>
+          </a:fontRef>
+        </p:style>
+      </p:cxnSp>
+      <p:cxnSp>
+        <p:nvCxnSpPr>
+          <p:cNvPr id="157" name="꺾인 연결선 156"/>
+          <p:cNvCxnSpPr>
+            <a:stCxn id="117" idx="1"/>
+            <a:endCxn id="115" idx="3"/>
+          </p:cNvCxnSpPr>
+          <p:nvPr/>
+        </p:nvCxnSpPr>
+        <p:spPr>
+          <a:xfrm rot="10800000">
+            <a:off x="3212049" y="2284965"/>
+            <a:ext cx="275608" cy="191533"/>
+          </a:xfrm>
+          <a:prstGeom prst="bentConnector3">
+            <a:avLst>
+              <a:gd name="adj1" fmla="val 50000"/>
+            </a:avLst>
+          </a:prstGeom>
+          <a:ln w="3175">
+            <a:solidFill>
+              <a:schemeClr val="tx2">
+                <a:lumMod val="75000"/>
+              </a:schemeClr>
+            </a:solidFill>
+            <a:tailEnd type="arrow"/>
+          </a:ln>
+        </p:spPr>
+        <p:style>
+          <a:lnRef idx="1">
+            <a:schemeClr val="accent1"/>
+          </a:lnRef>
+          <a:fillRef idx="0">
+            <a:schemeClr val="accent1"/>
+          </a:fillRef>
+          <a:effectRef idx="0">
+            <a:schemeClr val="accent1"/>
+          </a:effectRef>
+          <a:fontRef idx="minor">
+            <a:schemeClr val="tx1"/>
+          </a:fontRef>
+        </p:style>
+      </p:cxnSp>
+      <p:cxnSp>
+        <p:nvCxnSpPr>
+          <p:cNvPr id="160" name="꺾인 연결선 159"/>
+          <p:cNvCxnSpPr>
+            <a:stCxn id="116" idx="1"/>
+            <a:endCxn id="115" idx="3"/>
+          </p:cNvCxnSpPr>
+          <p:nvPr/>
+        </p:nvCxnSpPr>
+        <p:spPr>
+          <a:xfrm rot="10800000" flipV="1">
+            <a:off x="3212049" y="2100170"/>
+            <a:ext cx="275608" cy="184794"/>
+          </a:xfrm>
+          <a:prstGeom prst="bentConnector3">
+            <a:avLst>
+              <a:gd name="adj1" fmla="val 50000"/>
+            </a:avLst>
+          </a:prstGeom>
+          <a:ln w="3175">
+            <a:solidFill>
+              <a:schemeClr val="tx2">
+                <a:lumMod val="75000"/>
+              </a:schemeClr>
+            </a:solidFill>
+            <a:tailEnd type="arrow"/>
+          </a:ln>
+        </p:spPr>
+        <p:style>
+          <a:lnRef idx="1">
+            <a:schemeClr val="accent1"/>
+          </a:lnRef>
+          <a:fillRef idx="0">
+            <a:schemeClr val="accent1"/>
+          </a:fillRef>
+          <a:effectRef idx="0">
+            <a:schemeClr val="accent1"/>
+          </a:effectRef>
+          <a:fontRef idx="minor">
+            <a:schemeClr val="tx1"/>
+          </a:fontRef>
+        </p:style>
+      </p:cxnSp>
+      <p:cxnSp>
+        <p:nvCxnSpPr>
+          <p:cNvPr id="163" name="꺾인 연결선 162"/>
+          <p:cNvCxnSpPr>
+            <a:stCxn id="128" idx="1"/>
+            <a:endCxn id="116" idx="3"/>
+          </p:cNvCxnSpPr>
+          <p:nvPr/>
+        </p:nvCxnSpPr>
+        <p:spPr>
+          <a:xfrm rot="10800000" flipV="1">
+            <a:off x="4351754" y="1981290"/>
+            <a:ext cx="257875" cy="118880"/>
+          </a:xfrm>
+          <a:prstGeom prst="bentConnector3">
+            <a:avLst>
+              <a:gd name="adj1" fmla="val 50000"/>
+            </a:avLst>
+          </a:prstGeom>
+          <a:ln w="3175">
+            <a:solidFill>
+              <a:schemeClr val="tx2">
+                <a:lumMod val="75000"/>
+              </a:schemeClr>
+            </a:solidFill>
+            <a:tailEnd type="arrow"/>
+          </a:ln>
+        </p:spPr>
+        <p:style>
+          <a:lnRef idx="1">
+            <a:schemeClr val="accent1"/>
+          </a:lnRef>
+          <a:fillRef idx="0">
+            <a:schemeClr val="accent1"/>
+          </a:fillRef>
+          <a:effectRef idx="0">
+            <a:schemeClr val="accent1"/>
+          </a:effectRef>
+          <a:fontRef idx="minor">
+            <a:schemeClr val="tx1"/>
+          </a:fontRef>
+        </p:style>
+      </p:cxnSp>
+      <p:cxnSp>
+        <p:nvCxnSpPr>
+          <p:cNvPr id="166" name="꺾인 연결선 165"/>
+          <p:cNvCxnSpPr>
+            <a:stCxn id="126" idx="1"/>
+            <a:endCxn id="116" idx="3"/>
+          </p:cNvCxnSpPr>
+          <p:nvPr/>
+        </p:nvCxnSpPr>
+        <p:spPr>
+          <a:xfrm rot="10800000">
+            <a:off x="4351754" y="2100171"/>
+            <a:ext cx="257875" cy="102213"/>
+          </a:xfrm>
+          <a:prstGeom prst="bentConnector3">
+            <a:avLst>
+              <a:gd name="adj1" fmla="val 50000"/>
+            </a:avLst>
+          </a:prstGeom>
+          <a:ln w="3175">
+            <a:solidFill>
+              <a:schemeClr val="tx2">
+                <a:lumMod val="75000"/>
+              </a:schemeClr>
+            </a:solidFill>
+            <a:tailEnd type="arrow"/>
+          </a:ln>
+        </p:spPr>
+        <p:style>
+          <a:lnRef idx="1">
+            <a:schemeClr val="accent1"/>
+          </a:lnRef>
+          <a:fillRef idx="0">
+            <a:schemeClr val="accent1"/>
+          </a:fillRef>
+          <a:effectRef idx="0">
+            <a:schemeClr val="accent1"/>
+          </a:effectRef>
+          <a:fontRef idx="minor">
+            <a:schemeClr val="tx1"/>
+          </a:fontRef>
+        </p:style>
+      </p:cxnSp>
+      <p:cxnSp>
+        <p:nvCxnSpPr>
+          <p:cNvPr id="169" name="꺾인 연결선 168"/>
+          <p:cNvCxnSpPr>
+            <a:stCxn id="127" idx="1"/>
+            <a:endCxn id="117" idx="3"/>
+          </p:cNvCxnSpPr>
+          <p:nvPr/>
+        </p:nvCxnSpPr>
+        <p:spPr>
+          <a:xfrm rot="10800000">
+            <a:off x="4351752" y="2476497"/>
+            <a:ext cx="257877" cy="12700"/>
+          </a:xfrm>
+          <a:prstGeom prst="bentConnector3">
+            <a:avLst>
+              <a:gd name="adj1" fmla="val 50000"/>
+            </a:avLst>
+          </a:prstGeom>
+          <a:ln w="3175">
+            <a:solidFill>
+              <a:schemeClr val="tx2">
+                <a:lumMod val="75000"/>
+              </a:schemeClr>
+            </a:solidFill>
+            <a:tailEnd type="arrow"/>
+          </a:ln>
+        </p:spPr>
+        <p:style>
+          <a:lnRef idx="1">
+            <a:schemeClr val="accent1"/>
+          </a:lnRef>
+          <a:fillRef idx="0">
+            <a:schemeClr val="accent1"/>
+          </a:fillRef>
+          <a:effectRef idx="0">
+            <a:schemeClr val="accent1"/>
+          </a:effectRef>
+          <a:fontRef idx="minor">
+            <a:schemeClr val="tx1"/>
+          </a:fontRef>
+        </p:style>
+      </p:cxnSp>
+      <p:sp>
+        <p:nvSpPr>
+          <p:cNvPr id="187" name="직사각형 186"/>
+          <p:cNvSpPr/>
+          <p:nvPr/>
+        </p:nvSpPr>
+        <p:spPr>
+          <a:xfrm>
+            <a:off x="182718" y="116632"/>
+            <a:ext cx="792088" cy="184641"/>
+          </a:xfrm>
+          <a:prstGeom prst="rect">
+            <a:avLst/>
+          </a:prstGeom>
+          <a:noFill/>
+          <a:ln>
+            <a:noFill/>
+          </a:ln>
+        </p:spPr>
+        <p:style>
+          <a:lnRef idx="2">
+            <a:schemeClr val="accent1">
+              <a:shade val="50000"/>
+            </a:schemeClr>
+          </a:lnRef>
+          <a:fillRef idx="1">
+            <a:schemeClr val="accent1"/>
+          </a:fillRef>
+          <a:effectRef idx="0">
+            <a:schemeClr val="accent1"/>
+          </a:effectRef>
+          <a:fontRef idx="minor">
+            <a:schemeClr val="lt1"/>
+          </a:fontRef>
+        </p:style>
+        <p:txBody>
+          <a:bodyPr wrap="none" rtlCol="0" anchor="ctr"/>
+          <a:lstStyle/>
+          <a:p>
+            <a:pPr algn="ctr"/>
+            <a:r>
+              <a:rPr lang="ko-KR" altLang="en-US" sz="1100" smtClean="0">
+                <a:solidFill>
+                  <a:schemeClr val="tx1">
+                    <a:lumMod val="75000"/>
+                    <a:lumOff val="25000"/>
+                  </a:schemeClr>
+                </a:solidFill>
+              </a:rPr>
+              <a:t>상속계</a:t>
+            </a:r>
+            <a:endParaRPr lang="ko-KR" altLang="en-US" sz="1100">
+              <a:solidFill>
+                <a:schemeClr val="tx1">
+                  <a:lumMod val="75000"/>
+                  <a:lumOff val="25000"/>
+                </a:schemeClr>
+              </a:solidFill>
+            </a:endParaRPr>
+          </a:p>
+        </p:txBody>
+      </p:sp>
+      <p:sp>
+        <p:nvSpPr>
+          <p:cNvPr id="188" name="직사각형 187"/>
+          <p:cNvSpPr/>
+          <p:nvPr/>
+        </p:nvSpPr>
+        <p:spPr>
+          <a:xfrm>
+            <a:off x="179511" y="2236247"/>
+            <a:ext cx="792088" cy="184641"/>
+          </a:xfrm>
+          <a:prstGeom prst="rect">
+            <a:avLst/>
+          </a:prstGeom>
+          <a:noFill/>
+          <a:ln>
+            <a:noFill/>
+          </a:ln>
+        </p:spPr>
+        <p:style>
+          <a:lnRef idx="2">
+            <a:schemeClr val="accent1">
+              <a:shade val="50000"/>
+            </a:schemeClr>
+          </a:lnRef>
+          <a:fillRef idx="1">
+            <a:schemeClr val="accent1"/>
+          </a:fillRef>
+          <a:effectRef idx="0">
+            <a:schemeClr val="accent1"/>
+          </a:effectRef>
+          <a:fontRef idx="minor">
+            <a:schemeClr val="lt1"/>
+          </a:fontRef>
+        </p:style>
+        <p:txBody>
+          <a:bodyPr wrap="none" rtlCol="0" anchor="ctr"/>
+          <a:lstStyle/>
+          <a:p>
+            <a:pPr algn="ctr"/>
+            <a:r>
+              <a:rPr lang="ko-KR" altLang="en-US" sz="1100" smtClean="0">
+                <a:solidFill>
+                  <a:schemeClr val="accent5">
+                    <a:lumMod val="50000"/>
+                  </a:schemeClr>
+                </a:solidFill>
+              </a:rPr>
+              <a:t>소유계</a:t>
+            </a:r>
+            <a:endParaRPr lang="ko-KR" altLang="en-US" sz="1100">
+              <a:solidFill>
+                <a:schemeClr val="accent5">
+                  <a:lumMod val="50000"/>
+                </a:schemeClr>
+              </a:solidFill>
+            </a:endParaRPr>
+          </a:p>
+        </p:txBody>
+      </p:sp>
+      <p:sp>
+        <p:nvSpPr>
+          <p:cNvPr id="219" name="직사각형 218"/>
+          <p:cNvSpPr/>
+          <p:nvPr/>
+        </p:nvSpPr>
+        <p:spPr>
+          <a:xfrm>
+            <a:off x="5825187" y="513674"/>
+            <a:ext cx="792088" cy="184641"/>
+          </a:xfrm>
+          <a:prstGeom prst="rect">
+            <a:avLst/>
+          </a:prstGeom>
+          <a:noFill/>
+          <a:ln>
+            <a:noFill/>
+          </a:ln>
+        </p:spPr>
+        <p:style>
+          <a:lnRef idx="2">
+            <a:schemeClr val="accent1">
+              <a:shade val="50000"/>
+            </a:schemeClr>
+          </a:lnRef>
+          <a:fillRef idx="1">
+            <a:schemeClr val="accent1"/>
+          </a:fillRef>
+          <a:effectRef idx="0">
+            <a:schemeClr val="accent1"/>
+          </a:effectRef>
+          <a:fontRef idx="minor">
+            <a:schemeClr val="lt1"/>
+          </a:fontRef>
+        </p:style>
+        <p:txBody>
+          <a:bodyPr wrap="none" rtlCol="0" anchor="ctr"/>
+          <a:lstStyle/>
+          <a:p>
+            <a:pPr algn="ctr"/>
+            <a:r>
+              <a:rPr lang="ko-KR" altLang="en-US" sz="1100" smtClean="0">
+                <a:solidFill>
+                  <a:schemeClr val="accent6">
+                    <a:lumMod val="50000"/>
+                  </a:schemeClr>
+                </a:solidFill>
+              </a:rPr>
+              <a:t>독립클래스</a:t>
+            </a:r>
+            <a:endParaRPr lang="ko-KR" altLang="en-US" sz="1100">
+              <a:solidFill>
+                <a:schemeClr val="accent6">
+                  <a:lumMod val="50000"/>
+                </a:schemeClr>
+              </a:solidFill>
+            </a:endParaRPr>
+          </a:p>
+        </p:txBody>
+      </p:sp>
     </p:spTree>
   </p:cSld>
   <p:clrMapOvr>
